--- a/slide/ThirdAssignment_CocchiaGiannuzzi.pptx
+++ b/slide/ThirdAssignment_CocchiaGiannuzzi.pptx
@@ -7,16 +7,17 @@
     <p:sldMasterId id="2147484452" r:id="rId3"/>
   </p:sldMasterIdLst>
   <p:notesMasterIdLst>
-    <p:notesMasterId r:id="rId8"/>
+    <p:notesMasterId r:id="rId9"/>
   </p:notesMasterIdLst>
   <p:handoutMasterIdLst>
-    <p:handoutMasterId r:id="rId9"/>
+    <p:handoutMasterId r:id="rId10"/>
   </p:handoutMasterIdLst>
   <p:sldIdLst>
     <p:sldId id="256" r:id="rId4"/>
     <p:sldId id="550" r:id="rId5"/>
     <p:sldId id="551" r:id="rId6"/>
     <p:sldId id="552" r:id="rId7"/>
+    <p:sldId id="556" r:id="rId8"/>
   </p:sldIdLst>
   <p:sldSz cx="9144000" cy="6858000" type="screen4x3"/>
   <p:notesSz cx="6858000" cy="9144000"/>
@@ -217,7 +218,7 @@
             <a:fld id="{69A54007-042D-B74C-B600-E65703EE92FA}" type="datetime1">
               <a:rPr lang="it-IT" smtClean="0"/>
               <a:pPr/>
-              <a:t>09/06/2021</a:t>
+              <a:t>11/06/2021</a:t>
             </a:fld>
             <a:endParaRPr lang="en-GB"/>
           </a:p>
@@ -385,7 +386,7 @@
             <a:fld id="{E5BC7A6E-8A0F-6045-894B-85D75C45CD11}" type="datetime1">
               <a:rPr lang="it-IT" smtClean="0"/>
               <a:pPr/>
-              <a:t>09/06/2021</a:t>
+              <a:t>11/06/2021</a:t>
             </a:fld>
             <a:endParaRPr lang="en-GB"/>
           </a:p>
@@ -757,6 +758,110 @@
     <p:extLst>
       <p:ext uri="{BB962C8B-B14F-4D97-AF65-F5344CB8AC3E}">
         <p14:creationId xmlns:p14="http://schemas.microsoft.com/office/powerpoint/2010/main" val="1825863791"/>
+      </p:ext>
+    </p:extLst>
+  </p:cSld>
+  <p:clrMapOvr>
+    <a:masterClrMapping/>
+  </p:clrMapOvr>
+</p:notes>
+</file>
+
+<file path=ppt/notesSlides/notesSlide2.xml><?xml version="1.0" encoding="utf-8"?>
+<p:notes xmlns:a="http://schemas.openxmlformats.org/drawingml/2006/main" xmlns:r="http://schemas.openxmlformats.org/officeDocument/2006/relationships" xmlns:p="http://schemas.openxmlformats.org/presentationml/2006/main">
+  <p:cSld>
+    <p:spTree>
+      <p:nvGrpSpPr>
+        <p:cNvPr id="1" name=""/>
+        <p:cNvGrpSpPr/>
+        <p:nvPr/>
+      </p:nvGrpSpPr>
+      <p:grpSpPr>
+        <a:xfrm>
+          <a:off x="0" y="0"/>
+          <a:ext cx="0" cy="0"/>
+          <a:chOff x="0" y="0"/>
+          <a:chExt cx="0" cy="0"/>
+        </a:xfrm>
+      </p:grpSpPr>
+      <p:sp>
+        <p:nvSpPr>
+          <p:cNvPr id="2" name="Segnaposto immagine diapositiva 1"/>
+          <p:cNvSpPr>
+            <a:spLocks noGrp="1" noRot="1" noChangeAspect="1"/>
+          </p:cNvSpPr>
+          <p:nvPr>
+            <p:ph type="sldImg"/>
+          </p:nvPr>
+        </p:nvSpPr>
+        <p:spPr/>
+      </p:sp>
+      <p:sp>
+        <p:nvSpPr>
+          <p:cNvPr id="3" name="Segnaposto note 2"/>
+          <p:cNvSpPr>
+            <a:spLocks noGrp="1"/>
+          </p:cNvSpPr>
+          <p:nvPr>
+            <p:ph type="body" idx="1"/>
+          </p:nvPr>
+        </p:nvSpPr>
+        <p:spPr/>
+        <p:txBody>
+          <a:bodyPr/>
+          <a:lstStyle/>
+          <a:p>
+            <a:endParaRPr lang="it-IT" dirty="0"/>
+          </a:p>
+        </p:txBody>
+      </p:sp>
+      <p:sp>
+        <p:nvSpPr>
+          <p:cNvPr id="4" name="Segnaposto piè di pagina 3"/>
+          <p:cNvSpPr>
+            <a:spLocks noGrp="1"/>
+          </p:cNvSpPr>
+          <p:nvPr>
+            <p:ph type="ftr" sz="quarter" idx="4"/>
+          </p:nvPr>
+        </p:nvSpPr>
+        <p:spPr/>
+        <p:txBody>
+          <a:bodyPr/>
+          <a:lstStyle/>
+          <a:p>
+            <a:endParaRPr lang="en-GB"/>
+          </a:p>
+        </p:txBody>
+      </p:sp>
+      <p:sp>
+        <p:nvSpPr>
+          <p:cNvPr id="5" name="Segnaposto numero diapositiva 4"/>
+          <p:cNvSpPr>
+            <a:spLocks noGrp="1"/>
+          </p:cNvSpPr>
+          <p:nvPr>
+            <p:ph type="sldNum" sz="quarter" idx="5"/>
+          </p:nvPr>
+        </p:nvSpPr>
+        <p:spPr/>
+        <p:txBody>
+          <a:bodyPr/>
+          <a:lstStyle/>
+          <a:p>
+            <a:fld id="{EE20F652-032C-1B4C-B2A5-FF8B5B286FDE}" type="slidenum">
+              <a:rPr lang="en-GB" smtClean="0"/>
+              <a:pPr/>
+              <a:t>5</a:t>
+            </a:fld>
+            <a:endParaRPr lang="en-GB"/>
+          </a:p>
+        </p:txBody>
+      </p:sp>
+    </p:spTree>
+    <p:extLst>
+      <p:ext uri="{BB962C8B-B14F-4D97-AF65-F5344CB8AC3E}">
+        <p14:creationId xmlns:p14="http://schemas.microsoft.com/office/powerpoint/2010/main" val="3398665969"/>
       </p:ext>
     </p:extLst>
   </p:cSld>
@@ -8793,6 +8898,556 @@
     <p:extLst>
       <p:ext uri="{BB962C8B-B14F-4D97-AF65-F5344CB8AC3E}">
         <p14:creationId xmlns:p14="http://schemas.microsoft.com/office/powerpoint/2010/main" val="3564000657"/>
+      </p:ext>
+    </p:extLst>
+  </p:cSld>
+  <p:clrMapOvr>
+    <a:masterClrMapping/>
+  </p:clrMapOvr>
+</p:sld>
+</file>
+
+<file path=ppt/slides/slide5.xml><?xml version="1.0" encoding="utf-8"?>
+<p:sld xmlns:a="http://schemas.openxmlformats.org/drawingml/2006/main" xmlns:r="http://schemas.openxmlformats.org/officeDocument/2006/relationships" xmlns:p="http://schemas.openxmlformats.org/presentationml/2006/main">
+  <p:cSld>
+    <p:spTree>
+      <p:nvGrpSpPr>
+        <p:cNvPr id="1" name=""/>
+        <p:cNvGrpSpPr/>
+        <p:nvPr/>
+      </p:nvGrpSpPr>
+      <p:grpSpPr>
+        <a:xfrm>
+          <a:off x="0" y="0"/>
+          <a:ext cx="0" cy="0"/>
+          <a:chOff x="0" y="0"/>
+          <a:chExt cx="0" cy="0"/>
+        </a:xfrm>
+      </p:grpSpPr>
+      <p:sp>
+        <p:nvSpPr>
+          <p:cNvPr id="13" name="Segnaposto contenuto 12">
+            <a:extLst>
+              <a:ext uri="{FF2B5EF4-FFF2-40B4-BE49-F238E27FC236}">
+                <a16:creationId xmlns:a16="http://schemas.microsoft.com/office/drawing/2014/main" id="{82FDBFA9-35A8-45EE-88BD-57926CA3FC7C}"/>
+              </a:ext>
+            </a:extLst>
+          </p:cNvPr>
+          <p:cNvSpPr>
+            <a:spLocks noGrp="1"/>
+          </p:cNvSpPr>
+          <p:nvPr>
+            <p:ph idx="1"/>
+          </p:nvPr>
+        </p:nvSpPr>
+        <p:spPr>
+          <a:xfrm>
+            <a:off x="0" y="1040052"/>
+            <a:ext cx="9099121" cy="5428241"/>
+          </a:xfrm>
+        </p:spPr>
+        <p:txBody>
+          <a:bodyPr vert="horz" lIns="130055" tIns="65028" rIns="130055" bIns="65028" numCol="2" rtlCol="0" anchor="t">
+            <a:normAutofit/>
+          </a:bodyPr>
+          <a:lstStyle/>
+          <a:p>
+            <a:pPr marL="342900" indent="-342900" defTabSz="478928">
+              <a:buFontTx/>
+              <a:buChar char="-"/>
+            </a:pPr>
+            <a:r>
+              <a:rPr lang="it-IT" sz="1800" b="1" dirty="0">
+                <a:solidFill>
+                  <a:schemeClr val="tx1"/>
+                </a:solidFill>
+                <a:latin typeface="+mn-lt"/>
+                <a:cs typeface="+mn-cs"/>
+              </a:rPr>
+              <a:t>Device 1:  Ingresso </a:t>
+            </a:r>
+          </a:p>
+          <a:p>
+            <a:pPr marL="764830" lvl="2" indent="-342900" defTabSz="478928">
+              <a:buFontTx/>
+              <a:buChar char="-"/>
+            </a:pPr>
+            <a:r>
+              <a:rPr lang="it-IT" sz="1800" dirty="0">
+                <a:solidFill>
+                  <a:schemeClr val="tx1"/>
+                </a:solidFill>
+                <a:latin typeface="+mn-lt"/>
+                <a:cs typeface="+mn-cs"/>
+              </a:rPr>
+              <a:t>PIR sensor -&gt; allarme </a:t>
+            </a:r>
+          </a:p>
+          <a:p>
+            <a:pPr marL="764830" lvl="2" indent="-342900" defTabSz="478928">
+              <a:buFontTx/>
+              <a:buChar char="-"/>
+            </a:pPr>
+            <a:r>
+              <a:rPr lang="it-IT" sz="1800" dirty="0" err="1">
+                <a:solidFill>
+                  <a:schemeClr val="tx1"/>
+                </a:solidFill>
+                <a:latin typeface="+mn-lt"/>
+                <a:cs typeface="+mn-cs"/>
+              </a:rPr>
+              <a:t>MYsql</a:t>
+            </a:r>
+            <a:r>
+              <a:rPr lang="it-IT" sz="1800" dirty="0">
+                <a:solidFill>
+                  <a:schemeClr val="tx1"/>
+                </a:solidFill>
+                <a:latin typeface="+mn-lt"/>
+                <a:cs typeface="+mn-cs"/>
+              </a:rPr>
+              <a:t> e </a:t>
+            </a:r>
+            <a:r>
+              <a:rPr lang="it-IT" sz="1800" dirty="0" err="1">
+                <a:solidFill>
+                  <a:schemeClr val="tx1"/>
+                </a:solidFill>
+                <a:latin typeface="+mn-lt"/>
+                <a:cs typeface="+mn-cs"/>
+              </a:rPr>
+              <a:t>telegram</a:t>
+            </a:r>
+            <a:endParaRPr lang="it-IT" sz="1800" dirty="0">
+              <a:solidFill>
+                <a:schemeClr val="tx1"/>
+              </a:solidFill>
+              <a:latin typeface="+mn-lt"/>
+              <a:cs typeface="+mn-cs"/>
+            </a:endParaRPr>
+          </a:p>
+          <a:p>
+            <a:pPr marL="342900" indent="-342900" defTabSz="478928">
+              <a:buFontTx/>
+              <a:buChar char="-"/>
+            </a:pPr>
+            <a:r>
+              <a:rPr lang="it-IT" sz="1800" b="1" dirty="0">
+                <a:solidFill>
+                  <a:schemeClr val="tx1"/>
+                </a:solidFill>
+                <a:latin typeface="+mn-lt"/>
+                <a:cs typeface="+mn-cs"/>
+              </a:rPr>
+              <a:t>Device 2: cucina</a:t>
+            </a:r>
+          </a:p>
+          <a:p>
+            <a:pPr marL="764830" lvl="2" indent="-342900" defTabSz="478928">
+              <a:buClr>
+                <a:srgbClr val="808080"/>
+              </a:buClr>
+              <a:buFontTx/>
+              <a:buChar char="-"/>
+            </a:pPr>
+            <a:r>
+              <a:rPr lang="it-IT" sz="1800" dirty="0">
+                <a:solidFill>
+                  <a:schemeClr val="tx1"/>
+                </a:solidFill>
+                <a:latin typeface="+mn-lt"/>
+                <a:cs typeface="+mn-cs"/>
+              </a:rPr>
+              <a:t>Temperatura e Umidità</a:t>
+            </a:r>
+          </a:p>
+          <a:p>
+            <a:pPr marL="764830" lvl="2" indent="-342900" defTabSz="478928">
+              <a:buClr>
+                <a:srgbClr val="808080"/>
+              </a:buClr>
+              <a:buFontTx/>
+              <a:buChar char="-"/>
+            </a:pPr>
+            <a:r>
+              <a:rPr lang="it-IT" sz="1800" dirty="0">
+                <a:solidFill>
+                  <a:schemeClr val="tx1"/>
+                </a:solidFill>
+                <a:latin typeface="+mn-lt"/>
+                <a:cs typeface="+mn-cs"/>
+              </a:rPr>
+              <a:t>Metano -&gt; apertura della finestra</a:t>
+            </a:r>
+          </a:p>
+          <a:p>
+            <a:pPr marL="764830" lvl="2" indent="-342900" defTabSz="478928">
+              <a:buClr>
+                <a:srgbClr val="808080"/>
+              </a:buClr>
+              <a:buFontTx/>
+              <a:buChar char="-"/>
+            </a:pPr>
+            <a:r>
+              <a:rPr lang="it-IT" sz="1800" dirty="0">
+                <a:solidFill>
+                  <a:schemeClr val="tx1"/>
+                </a:solidFill>
+                <a:latin typeface="+mn-lt"/>
+                <a:cs typeface="+mn-cs"/>
+              </a:rPr>
+              <a:t>Allarme –&gt; </a:t>
+            </a:r>
+            <a:r>
+              <a:rPr lang="it-IT" sz="1800" dirty="0" err="1">
+                <a:solidFill>
+                  <a:schemeClr val="tx1"/>
+                </a:solidFill>
+                <a:latin typeface="+mn-lt"/>
+                <a:cs typeface="+mn-cs"/>
+              </a:rPr>
+              <a:t>MYsql</a:t>
+            </a:r>
+            <a:r>
+              <a:rPr lang="it-IT" sz="1800" dirty="0">
+                <a:solidFill>
+                  <a:schemeClr val="tx1"/>
+                </a:solidFill>
+                <a:latin typeface="+mn-lt"/>
+                <a:cs typeface="+mn-cs"/>
+              </a:rPr>
+              <a:t> e </a:t>
+            </a:r>
+            <a:r>
+              <a:rPr lang="it-IT" sz="1800" dirty="0" err="1">
+                <a:solidFill>
+                  <a:schemeClr val="tx1"/>
+                </a:solidFill>
+                <a:latin typeface="+mn-lt"/>
+                <a:cs typeface="+mn-cs"/>
+              </a:rPr>
+              <a:t>telegram</a:t>
+            </a:r>
+            <a:endParaRPr lang="it-IT" sz="1800" dirty="0">
+              <a:solidFill>
+                <a:schemeClr val="tx1"/>
+              </a:solidFill>
+              <a:latin typeface="+mn-lt"/>
+              <a:cs typeface="+mn-cs"/>
+            </a:endParaRPr>
+          </a:p>
+          <a:p>
+            <a:pPr marL="342900" indent="-342900" defTabSz="478928">
+              <a:buFontTx/>
+              <a:buChar char="-"/>
+            </a:pPr>
+            <a:r>
+              <a:rPr lang="it-IT" sz="1800" b="1" dirty="0">
+                <a:solidFill>
+                  <a:schemeClr val="tx1"/>
+                </a:solidFill>
+                <a:latin typeface="+mn-lt"/>
+                <a:cs typeface="+mn-cs"/>
+              </a:rPr>
+              <a:t>Device 3: serra</a:t>
+            </a:r>
+          </a:p>
+          <a:p>
+            <a:pPr marL="764830" lvl="2" indent="-342900" defTabSz="478928">
+              <a:buFontTx/>
+              <a:buChar char="-"/>
+            </a:pPr>
+            <a:r>
+              <a:rPr lang="it-IT" sz="1800" dirty="0">
+                <a:solidFill>
+                  <a:schemeClr val="tx1"/>
+                </a:solidFill>
+                <a:latin typeface="+mn-lt"/>
+                <a:cs typeface="+mn-cs"/>
+              </a:rPr>
+              <a:t>Umidità del terreno</a:t>
+            </a:r>
+          </a:p>
+          <a:p>
+            <a:pPr marL="764830" lvl="2" indent="-342900" defTabSz="478928">
+              <a:buClr>
+                <a:srgbClr val="808080"/>
+              </a:buClr>
+              <a:buFontTx/>
+              <a:buChar char="-"/>
+            </a:pPr>
+            <a:r>
+              <a:rPr lang="it-IT" sz="1800" dirty="0">
+                <a:solidFill>
+                  <a:schemeClr val="tx1"/>
+                </a:solidFill>
+                <a:latin typeface="+mn-lt"/>
+                <a:cs typeface="+mn-cs"/>
+              </a:rPr>
+              <a:t>Temperatura e Umidità</a:t>
+            </a:r>
+          </a:p>
+          <a:p>
+            <a:pPr marL="764830" lvl="2" indent="-342900" defTabSz="478928">
+              <a:buClr>
+                <a:srgbClr val="808080"/>
+              </a:buClr>
+              <a:buFontTx/>
+              <a:buChar char="-"/>
+            </a:pPr>
+            <a:r>
+              <a:rPr lang="it-IT" sz="1800" dirty="0">
+                <a:solidFill>
+                  <a:schemeClr val="tx1"/>
+                </a:solidFill>
+                <a:latin typeface="+mn-lt"/>
+                <a:cs typeface="+mn-cs"/>
+              </a:rPr>
+              <a:t>Finestre che si aprono in base alla temperatura</a:t>
+            </a:r>
+          </a:p>
+          <a:p>
+            <a:pPr marL="764830" lvl="2" indent="-342900" defTabSz="478928">
+              <a:buClr>
+                <a:srgbClr val="808080"/>
+              </a:buClr>
+              <a:buFontTx/>
+              <a:buChar char="-"/>
+            </a:pPr>
+            <a:r>
+              <a:rPr lang="it-IT" sz="1800" dirty="0">
+                <a:solidFill>
+                  <a:schemeClr val="tx1"/>
+                </a:solidFill>
+                <a:latin typeface="+mn-lt"/>
+                <a:cs typeface="+mn-cs"/>
+              </a:rPr>
+              <a:t>Irrigazione automatica</a:t>
+            </a:r>
+          </a:p>
+          <a:p>
+            <a:pPr marL="764830" lvl="2" indent="-342900" defTabSz="478928">
+              <a:buClr>
+                <a:srgbClr val="808080"/>
+              </a:buClr>
+              <a:buFontTx/>
+              <a:buChar char="-"/>
+            </a:pPr>
+            <a:r>
+              <a:rPr lang="it-IT" sz="1800" dirty="0" err="1">
+                <a:solidFill>
+                  <a:schemeClr val="tx1"/>
+                </a:solidFill>
+                <a:latin typeface="+mn-lt"/>
+                <a:cs typeface="+mn-cs"/>
+              </a:rPr>
+              <a:t>Openweather</a:t>
+            </a:r>
+            <a:r>
+              <a:rPr lang="it-IT" sz="1800" dirty="0">
+                <a:solidFill>
+                  <a:schemeClr val="tx1"/>
+                </a:solidFill>
+                <a:latin typeface="+mn-lt"/>
+                <a:cs typeface="+mn-cs"/>
+              </a:rPr>
+              <a:t> -&gt; controlli con frequenza maggiore</a:t>
+            </a:r>
+          </a:p>
+          <a:p>
+            <a:pPr marL="342900" indent="-342900" defTabSz="478928">
+              <a:buFontTx/>
+              <a:buChar char="-"/>
+            </a:pPr>
+            <a:r>
+              <a:rPr lang="it-IT" sz="1800" b="1" dirty="0">
+                <a:solidFill>
+                  <a:schemeClr val="tx1"/>
+                </a:solidFill>
+                <a:latin typeface="+mn-lt"/>
+                <a:cs typeface="+mn-cs"/>
+              </a:rPr>
+              <a:t>Device 3: box</a:t>
+            </a:r>
+          </a:p>
+          <a:p>
+            <a:pPr marL="764828" lvl="1" indent="-342900" defTabSz="478928">
+              <a:buFontTx/>
+              <a:buChar char="-"/>
+            </a:pPr>
+            <a:r>
+              <a:rPr lang="it-IT" sz="1606" dirty="0">
+                <a:solidFill>
+                  <a:schemeClr val="tx1"/>
+                </a:solidFill>
+                <a:latin typeface="+mn-lt"/>
+                <a:cs typeface="+mn-cs"/>
+              </a:rPr>
+              <a:t>Apertura automatica</a:t>
+            </a:r>
+          </a:p>
+          <a:p>
+            <a:pPr marL="764830" lvl="2" indent="-342900" defTabSz="478928">
+              <a:buClr>
+                <a:srgbClr val="808080"/>
+              </a:buClr>
+              <a:buFontTx/>
+              <a:buChar char="-"/>
+            </a:pPr>
+            <a:endParaRPr lang="it-IT" sz="1800" dirty="0">
+              <a:solidFill>
+                <a:schemeClr val="tx1"/>
+              </a:solidFill>
+              <a:latin typeface="+mn-lt"/>
+              <a:cs typeface="+mn-cs"/>
+            </a:endParaRPr>
+          </a:p>
+          <a:p>
+            <a:pPr marL="764830" lvl="2" indent="-342900" defTabSz="478928">
+              <a:buClr>
+                <a:srgbClr val="808080"/>
+              </a:buClr>
+              <a:buFontTx/>
+              <a:buChar char="-"/>
+            </a:pPr>
+            <a:endParaRPr lang="it-IT" sz="1800" dirty="0">
+              <a:solidFill>
+                <a:schemeClr val="tx1"/>
+              </a:solidFill>
+              <a:latin typeface="+mn-lt"/>
+              <a:cs typeface="+mn-cs"/>
+            </a:endParaRPr>
+          </a:p>
+          <a:p>
+            <a:pPr marL="421640" lvl="1" indent="0">
+              <a:buClr>
+                <a:srgbClr val="808080"/>
+              </a:buClr>
+              <a:buNone/>
+            </a:pPr>
+            <a:endParaRPr lang="it-IT" sz="1800" dirty="0">
+              <a:latin typeface="Arial"/>
+              <a:cs typeface="Arial"/>
+            </a:endParaRPr>
+          </a:p>
+        </p:txBody>
+      </p:sp>
+      <p:sp>
+        <p:nvSpPr>
+          <p:cNvPr id="2" name="Titolo 1">
+            <a:extLst>
+              <a:ext uri="{FF2B5EF4-FFF2-40B4-BE49-F238E27FC236}">
+                <a16:creationId xmlns:a16="http://schemas.microsoft.com/office/drawing/2014/main" id="{F46470BA-3007-184B-AF37-345D6F80A390}"/>
+              </a:ext>
+            </a:extLst>
+          </p:cNvPr>
+          <p:cNvSpPr>
+            <a:spLocks noGrp="1"/>
+          </p:cNvSpPr>
+          <p:nvPr>
+            <p:ph type="title"/>
+          </p:nvPr>
+        </p:nvSpPr>
+        <p:spPr/>
+        <p:txBody>
+          <a:bodyPr/>
+          <a:lstStyle/>
+          <a:p>
+            <a:r>
+              <a:rPr lang="en-US" dirty="0"/>
+              <a:t>Method</a:t>
+            </a:r>
+          </a:p>
+        </p:txBody>
+      </p:sp>
+      <p:sp>
+        <p:nvSpPr>
+          <p:cNvPr id="4" name="Segnaposto numero diapositiva 3">
+            <a:extLst>
+              <a:ext uri="{FF2B5EF4-FFF2-40B4-BE49-F238E27FC236}">
+                <a16:creationId xmlns:a16="http://schemas.microsoft.com/office/drawing/2014/main" id="{50171237-E74B-F34B-A6AD-2ADA04AB097D}"/>
+              </a:ext>
+            </a:extLst>
+          </p:cNvPr>
+          <p:cNvSpPr>
+            <a:spLocks noGrp="1"/>
+          </p:cNvSpPr>
+          <p:nvPr>
+            <p:ph type="sldNum" sz="quarter" idx="12"/>
+          </p:nvPr>
+        </p:nvSpPr>
+        <p:spPr/>
+        <p:txBody>
+          <a:bodyPr/>
+          <a:lstStyle/>
+          <a:p>
+            <a:fld id="{389832E7-CD1C-8649-98ED-2ABDE863B9F8}" type="slidenum">
+              <a:rPr lang="it-IT" smtClean="0"/>
+              <a:pPr/>
+              <a:t>5</a:t>
+            </a:fld>
+            <a:endParaRPr lang="it-IT" dirty="0" err="1"/>
+          </a:p>
+        </p:txBody>
+      </p:sp>
+      <p:sp>
+        <p:nvSpPr>
+          <p:cNvPr id="6" name="Segnaposto piè di pagina 5">
+            <a:extLst>
+              <a:ext uri="{FF2B5EF4-FFF2-40B4-BE49-F238E27FC236}">
+                <a16:creationId xmlns:a16="http://schemas.microsoft.com/office/drawing/2014/main" id="{3276E258-63A7-EF47-A9E2-09FA8F14BCCA}"/>
+              </a:ext>
+            </a:extLst>
+          </p:cNvPr>
+          <p:cNvSpPr>
+            <a:spLocks noGrp="1"/>
+          </p:cNvSpPr>
+          <p:nvPr>
+            <p:ph type="ftr" sz="quarter" idx="11"/>
+          </p:nvPr>
+        </p:nvSpPr>
+        <p:spPr/>
+        <p:txBody>
+          <a:bodyPr/>
+          <a:lstStyle/>
+          <a:p>
+            <a:r>
+              <a:rPr lang="it-IT"/>
+              <a:t>Team CocchiaGiannuzzi - Laboratorio IoT@UniMiB</a:t>
+            </a:r>
+            <a:endParaRPr lang="it-IT" dirty="0"/>
+          </a:p>
+        </p:txBody>
+      </p:sp>
+      <p:sp>
+        <p:nvSpPr>
+          <p:cNvPr id="16" name="Segnaposto contenuto 15">
+            <a:extLst>
+              <a:ext uri="{FF2B5EF4-FFF2-40B4-BE49-F238E27FC236}">
+                <a16:creationId xmlns:a16="http://schemas.microsoft.com/office/drawing/2014/main" id="{EF1E3446-259D-4F7D-A8AB-204CC9004992}"/>
+              </a:ext>
+            </a:extLst>
+          </p:cNvPr>
+          <p:cNvSpPr>
+            <a:spLocks noGrp="1"/>
+          </p:cNvSpPr>
+          <p:nvPr>
+            <p:ph sz="quarter" idx="13"/>
+          </p:nvPr>
+        </p:nvSpPr>
+        <p:spPr/>
+        <p:txBody>
+          <a:bodyPr/>
+          <a:lstStyle/>
+          <a:p>
+            <a:endParaRPr lang="it-IT"/>
+          </a:p>
+        </p:txBody>
+      </p:sp>
+    </p:spTree>
+    <p:extLst>
+      <p:ext uri="{BB962C8B-B14F-4D97-AF65-F5344CB8AC3E}">
+        <p14:creationId xmlns:p14="http://schemas.microsoft.com/office/powerpoint/2010/main" val="2080919016"/>
       </p:ext>
     </p:extLst>
   </p:cSld>
